--- a/documents/Winters_MidTermProject.pptx
+++ b/documents/Winters_MidTermProject.pptx
@@ -125,6 +125,7 @@
 <p1510:revInfo xmlns:a="http://schemas.openxmlformats.org/drawingml/2006/main" xmlns:r="http://schemas.openxmlformats.org/officeDocument/2006/relationships" xmlns:p1510="http://schemas.microsoft.com/office/powerpoint/2015/10/main">
   <p1510:revLst>
     <p1510:client id="{AFA750F1-F34D-47F1-ADCB-2D639E03CDE0}" v="2283" dt="2024-02-10T21:15:46.233"/>
+    <p1510:client id="{B09E3F5F-4797-915C-DD5E-29C4DD605F98}" v="287" dt="2024-02-11T21:32:54.143"/>
   </p1510:revLst>
 </p1510:revInfo>
 </file>
@@ -3432,15 +3433,21 @@
             </a:r>
             <a:r>
               <a:rPr lang="en-US" dirty="0"/>
-              <a:t> Lab and Pandas to analyze data and produce visualizations which were saved as </a:t>
+              <a:t> Lab and Pandas to analyze data and produce initial visualizations</a:t>
+            </a:r>
+          </a:p>
+          <a:p>
+            <a:r>
+              <a:rPr lang="en-US" dirty="0"/>
+              <a:t>Converted </a:t>
             </a:r>
             <a:r>
               <a:rPr lang="en-US" dirty="0" err="1"/>
-              <a:t>png</a:t>
+              <a:t>Jupyter</a:t>
             </a:r>
             <a:r>
               <a:rPr lang="en-US" dirty="0"/>
-              <a:t> files.</a:t>
+              <a:t> Lab to a python script for repeatability</a:t>
             </a:r>
           </a:p>
           <a:p>
@@ -4269,7 +4276,7 @@
             <a:pPr algn="ctr"/>
             <a:r>
               <a:rPr lang="en-US" dirty="0"/>
-              <a:t>Except for Canada all the countries in this study displayed declining populations </a:t>
+              <a:t>Except for Germany, all the countries have declining birth rates</a:t>
             </a:r>
           </a:p>
         </p:txBody>
@@ -4367,13 +4374,13 @@
           <a:p>
             <a:r>
               <a:rPr lang="en-US" dirty="0"/>
-              <a:t>Birth and death rates are making an impact on the top ten economies' populations</a:t>
+              <a:t>Birth and death rates are making an impact on the top ten economies' populations but not as fast as people think.</a:t>
             </a:r>
           </a:p>
           <a:p>
             <a:r>
               <a:rPr lang="en-US" dirty="0"/>
-              <a:t>Countries with lower birth rates are experiencing populations that are stabling and will eventually start to decline if the birth rates do not increase</a:t>
+              <a:t>Countries with lower birth rates are experiencing populations that are stabilizing and will eventually start to decline if the birth rates do not increase</a:t>
             </a:r>
           </a:p>
           <a:p>
